--- a/workshop/ppt/timeline.pptx
+++ b/workshop/ppt/timeline.pptx
@@ -3533,6 +3533,926 @@
           </a:p>
         </p:txBody>
       </p:sp>
+      <p:grpSp>
+        <p:nvGrpSpPr>
+          <p:cNvPr id="22" name="Group 21"/>
+          <p:cNvGrpSpPr/>
+          <p:nvPr/>
+        </p:nvGrpSpPr>
+        <p:grpSpPr>
+          <a:xfrm>
+            <a:off x="6285276" y="899258"/>
+            <a:ext cx="287379" cy="5645856"/>
+            <a:chOff x="6498486" y="899258"/>
+            <a:chExt cx="287379" cy="5645856"/>
+          </a:xfrm>
+        </p:grpSpPr>
+        <p:cxnSp>
+          <p:nvCxnSpPr>
+            <p:cNvPr id="21" name="Straight Connector 20"/>
+            <p:cNvCxnSpPr>
+              <a:stCxn id="19" idx="2"/>
+            </p:cNvCxnSpPr>
+            <p:nvPr/>
+          </p:nvCxnSpPr>
+          <p:spPr>
+            <a:xfrm>
+              <a:off x="6642176" y="2985165"/>
+              <a:ext cx="0" cy="3559949"/>
+            </a:xfrm>
+            <a:prstGeom prst="line">
+              <a:avLst/>
+            </a:prstGeom>
+            <a:ln>
+              <a:prstDash val="dash"/>
+            </a:ln>
+          </p:spPr>
+          <p:style>
+            <a:lnRef idx="2">
+              <a:schemeClr val="accent1"/>
+            </a:lnRef>
+            <a:fillRef idx="0">
+              <a:schemeClr val="accent1"/>
+            </a:fillRef>
+            <a:effectRef idx="1">
+              <a:schemeClr val="accent1"/>
+            </a:effectRef>
+            <a:fontRef idx="minor">
+              <a:schemeClr val="tx1"/>
+            </a:fontRef>
+          </p:style>
+        </p:cxnSp>
+        <p:sp>
+          <p:nvSpPr>
+            <p:cNvPr id="19" name="Rectangle 18"/>
+            <p:cNvSpPr/>
+            <p:nvPr/>
+          </p:nvSpPr>
+          <p:spPr>
+            <a:xfrm>
+              <a:off x="6498486" y="899258"/>
+              <a:ext cx="287379" cy="2085907"/>
+            </a:xfrm>
+            <a:prstGeom prst="rect">
+              <a:avLst/>
+            </a:prstGeom>
+            <a:gradFill>
+              <a:gsLst>
+                <a:gs pos="58000">
+                  <a:schemeClr val="tx2"/>
+                </a:gs>
+                <a:gs pos="100000">
+                  <a:schemeClr val="accent1">
+                    <a:tint val="50000"/>
+                    <a:shade val="100000"/>
+                    <a:satMod val="350000"/>
+                  </a:schemeClr>
+                </a:gs>
+                <a:gs pos="80000">
+                  <a:schemeClr val="accent1">
+                    <a:tint val="100000"/>
+                    <a:shade val="100000"/>
+                    <a:satMod val="130000"/>
+                  </a:schemeClr>
+                </a:gs>
+              </a:gsLst>
+            </a:gradFill>
+          </p:spPr>
+          <p:style>
+            <a:lnRef idx="1">
+              <a:schemeClr val="accent1"/>
+            </a:lnRef>
+            <a:fillRef idx="3">
+              <a:schemeClr val="accent1"/>
+            </a:fillRef>
+            <a:effectRef idx="2">
+              <a:schemeClr val="accent1"/>
+            </a:effectRef>
+            <a:fontRef idx="minor">
+              <a:schemeClr val="lt1"/>
+            </a:fontRef>
+          </p:style>
+          <p:txBody>
+            <a:bodyPr vert="vert270" rtlCol="0" anchor="ctr"/>
+            <a:lstStyle/>
+            <a:p>
+              <a:r>
+                <a:rPr lang="en-GB" b="1" dirty="0" smtClean="0"/>
+                <a:t> Fake ID</a:t>
+              </a:r>
+              <a:endParaRPr lang="en-GB" b="1" dirty="0"/>
+            </a:p>
+          </p:txBody>
+        </p:sp>
+      </p:grpSp>
+      <p:grpSp>
+        <p:nvGrpSpPr>
+          <p:cNvPr id="23" name="Group 22"/>
+          <p:cNvGrpSpPr/>
+          <p:nvPr/>
+        </p:nvGrpSpPr>
+        <p:grpSpPr>
+          <a:xfrm>
+            <a:off x="6794527" y="899258"/>
+            <a:ext cx="287379" cy="5645856"/>
+            <a:chOff x="6498486" y="899258"/>
+            <a:chExt cx="287379" cy="5645856"/>
+          </a:xfrm>
+        </p:grpSpPr>
+        <p:cxnSp>
+          <p:nvCxnSpPr>
+            <p:cNvPr id="24" name="Straight Connector 23"/>
+            <p:cNvCxnSpPr>
+              <a:stCxn id="25" idx="2"/>
+            </p:cNvCxnSpPr>
+            <p:nvPr/>
+          </p:nvCxnSpPr>
+          <p:spPr>
+            <a:xfrm>
+              <a:off x="6642176" y="2985165"/>
+              <a:ext cx="0" cy="3559949"/>
+            </a:xfrm>
+            <a:prstGeom prst="line">
+              <a:avLst/>
+            </a:prstGeom>
+            <a:ln>
+              <a:prstDash val="dash"/>
+            </a:ln>
+          </p:spPr>
+          <p:style>
+            <a:lnRef idx="2">
+              <a:schemeClr val="accent1"/>
+            </a:lnRef>
+            <a:fillRef idx="0">
+              <a:schemeClr val="accent1"/>
+            </a:fillRef>
+            <a:effectRef idx="1">
+              <a:schemeClr val="accent1"/>
+            </a:effectRef>
+            <a:fontRef idx="minor">
+              <a:schemeClr val="tx1"/>
+            </a:fontRef>
+          </p:style>
+        </p:cxnSp>
+        <p:sp>
+          <p:nvSpPr>
+            <p:cNvPr id="25" name="Rectangle 24"/>
+            <p:cNvSpPr/>
+            <p:nvPr/>
+          </p:nvSpPr>
+          <p:spPr>
+            <a:xfrm>
+              <a:off x="6498486" y="899258"/>
+              <a:ext cx="287379" cy="2085907"/>
+            </a:xfrm>
+            <a:prstGeom prst="rect">
+              <a:avLst/>
+            </a:prstGeom>
+            <a:gradFill>
+              <a:gsLst>
+                <a:gs pos="58000">
+                  <a:schemeClr val="tx2"/>
+                </a:gs>
+                <a:gs pos="100000">
+                  <a:schemeClr val="accent1">
+                    <a:tint val="50000"/>
+                    <a:shade val="100000"/>
+                    <a:satMod val="350000"/>
+                  </a:schemeClr>
+                </a:gs>
+                <a:gs pos="80000">
+                  <a:schemeClr val="accent1">
+                    <a:tint val="100000"/>
+                    <a:shade val="100000"/>
+                    <a:satMod val="130000"/>
+                  </a:schemeClr>
+                </a:gs>
+              </a:gsLst>
+            </a:gradFill>
+          </p:spPr>
+          <p:style>
+            <a:lnRef idx="1">
+              <a:schemeClr val="accent1"/>
+            </a:lnRef>
+            <a:fillRef idx="3">
+              <a:schemeClr val="accent1"/>
+            </a:fillRef>
+            <a:effectRef idx="2">
+              <a:schemeClr val="accent1"/>
+            </a:effectRef>
+            <a:fontRef idx="minor">
+              <a:schemeClr val="lt1"/>
+            </a:fontRef>
+          </p:style>
+          <p:txBody>
+            <a:bodyPr vert="vert270" rtlCol="0" anchor="ctr"/>
+            <a:lstStyle/>
+            <a:p>
+              <a:r>
+                <a:rPr lang="en-GB" b="1" dirty="0" smtClean="0"/>
+                <a:t> </a:t>
+              </a:r>
+              <a:r>
+                <a:rPr lang="en-GB" b="1" dirty="0" err="1" smtClean="0"/>
+                <a:t>TowelRoot</a:t>
+              </a:r>
+              <a:endParaRPr lang="en-GB" b="1" dirty="0"/>
+            </a:p>
+          </p:txBody>
+        </p:sp>
+      </p:grpSp>
+      <p:grpSp>
+        <p:nvGrpSpPr>
+          <p:cNvPr id="26" name="Group 25"/>
+          <p:cNvGrpSpPr/>
+          <p:nvPr/>
+        </p:nvGrpSpPr>
+        <p:grpSpPr>
+          <a:xfrm>
+            <a:off x="1184936" y="899258"/>
+            <a:ext cx="287379" cy="5645856"/>
+            <a:chOff x="6498486" y="899258"/>
+            <a:chExt cx="287379" cy="5645856"/>
+          </a:xfrm>
+        </p:grpSpPr>
+        <p:cxnSp>
+          <p:nvCxnSpPr>
+            <p:cNvPr id="27" name="Straight Connector 26"/>
+            <p:cNvCxnSpPr>
+              <a:stCxn id="28" idx="2"/>
+            </p:cNvCxnSpPr>
+            <p:nvPr/>
+          </p:nvCxnSpPr>
+          <p:spPr>
+            <a:xfrm>
+              <a:off x="6642176" y="2985165"/>
+              <a:ext cx="0" cy="3559949"/>
+            </a:xfrm>
+            <a:prstGeom prst="line">
+              <a:avLst/>
+            </a:prstGeom>
+            <a:ln>
+              <a:prstDash val="dash"/>
+            </a:ln>
+          </p:spPr>
+          <p:style>
+            <a:lnRef idx="2">
+              <a:schemeClr val="accent1"/>
+            </a:lnRef>
+            <a:fillRef idx="0">
+              <a:schemeClr val="accent1"/>
+            </a:fillRef>
+            <a:effectRef idx="1">
+              <a:schemeClr val="accent1"/>
+            </a:effectRef>
+            <a:fontRef idx="minor">
+              <a:schemeClr val="tx1"/>
+            </a:fontRef>
+          </p:style>
+        </p:cxnSp>
+        <p:sp>
+          <p:nvSpPr>
+            <p:cNvPr id="28" name="Rectangle 27"/>
+            <p:cNvSpPr/>
+            <p:nvPr/>
+          </p:nvSpPr>
+          <p:spPr>
+            <a:xfrm>
+              <a:off x="6498486" y="899258"/>
+              <a:ext cx="287379" cy="2085907"/>
+            </a:xfrm>
+            <a:prstGeom prst="rect">
+              <a:avLst/>
+            </a:prstGeom>
+            <a:gradFill>
+              <a:gsLst>
+                <a:gs pos="58000">
+                  <a:schemeClr val="tx2"/>
+                </a:gs>
+                <a:gs pos="100000">
+                  <a:schemeClr val="accent1">
+                    <a:tint val="50000"/>
+                    <a:shade val="100000"/>
+                    <a:satMod val="350000"/>
+                  </a:schemeClr>
+                </a:gs>
+                <a:gs pos="80000">
+                  <a:schemeClr val="accent1">
+                    <a:tint val="100000"/>
+                    <a:shade val="100000"/>
+                    <a:satMod val="130000"/>
+                  </a:schemeClr>
+                </a:gs>
+              </a:gsLst>
+            </a:gradFill>
+          </p:spPr>
+          <p:style>
+            <a:lnRef idx="1">
+              <a:schemeClr val="accent1"/>
+            </a:lnRef>
+            <a:fillRef idx="3">
+              <a:schemeClr val="accent1"/>
+            </a:fillRef>
+            <a:effectRef idx="2">
+              <a:schemeClr val="accent1"/>
+            </a:effectRef>
+            <a:fontRef idx="minor">
+              <a:schemeClr val="lt1"/>
+            </a:fontRef>
+          </p:style>
+          <p:txBody>
+            <a:bodyPr vert="vert270" rtlCol="0" anchor="ctr"/>
+            <a:lstStyle/>
+            <a:p>
+              <a:r>
+                <a:rPr lang="en-GB" sz="1600" b="1" dirty="0" err="1" smtClean="0"/>
+                <a:t>Psneuter</a:t>
+              </a:r>
+              <a:r>
+                <a:rPr lang="en-GB" sz="1600" b="1" dirty="0" smtClean="0"/>
+                <a:t>/</a:t>
+              </a:r>
+              <a:r>
+                <a:rPr lang="en-GB" sz="1600" b="1" dirty="0" err="1" smtClean="0"/>
+                <a:t>KillingInTheN</a:t>
+              </a:r>
+              <a:endParaRPr lang="en-GB" sz="1600" b="1" dirty="0"/>
+            </a:p>
+          </p:txBody>
+        </p:sp>
+      </p:grpSp>
+      <p:grpSp>
+        <p:nvGrpSpPr>
+          <p:cNvPr id="29" name="Group 28"/>
+          <p:cNvGrpSpPr/>
+          <p:nvPr/>
+        </p:nvGrpSpPr>
+        <p:grpSpPr>
+          <a:xfrm>
+            <a:off x="1848748" y="899258"/>
+            <a:ext cx="287379" cy="5645856"/>
+            <a:chOff x="6498486" y="899258"/>
+            <a:chExt cx="287379" cy="5645856"/>
+          </a:xfrm>
+        </p:grpSpPr>
+        <p:cxnSp>
+          <p:nvCxnSpPr>
+            <p:cNvPr id="30" name="Straight Connector 29"/>
+            <p:cNvCxnSpPr>
+              <a:stCxn id="31" idx="2"/>
+            </p:cNvCxnSpPr>
+            <p:nvPr/>
+          </p:nvCxnSpPr>
+          <p:spPr>
+            <a:xfrm>
+              <a:off x="6642176" y="2985165"/>
+              <a:ext cx="0" cy="3559949"/>
+            </a:xfrm>
+            <a:prstGeom prst="line">
+              <a:avLst/>
+            </a:prstGeom>
+            <a:ln>
+              <a:prstDash val="dash"/>
+            </a:ln>
+          </p:spPr>
+          <p:style>
+            <a:lnRef idx="2">
+              <a:schemeClr val="accent1"/>
+            </a:lnRef>
+            <a:fillRef idx="0">
+              <a:schemeClr val="accent1"/>
+            </a:fillRef>
+            <a:effectRef idx="1">
+              <a:schemeClr val="accent1"/>
+            </a:effectRef>
+            <a:fontRef idx="minor">
+              <a:schemeClr val="tx1"/>
+            </a:fontRef>
+          </p:style>
+        </p:cxnSp>
+        <p:sp>
+          <p:nvSpPr>
+            <p:cNvPr id="31" name="Rectangle 30"/>
+            <p:cNvSpPr/>
+            <p:nvPr/>
+          </p:nvSpPr>
+          <p:spPr>
+            <a:xfrm>
+              <a:off x="6498486" y="899258"/>
+              <a:ext cx="287379" cy="2085907"/>
+            </a:xfrm>
+            <a:prstGeom prst="rect">
+              <a:avLst/>
+            </a:prstGeom>
+            <a:gradFill>
+              <a:gsLst>
+                <a:gs pos="58000">
+                  <a:schemeClr val="tx2"/>
+                </a:gs>
+                <a:gs pos="100000">
+                  <a:schemeClr val="accent1">
+                    <a:tint val="50000"/>
+                    <a:shade val="100000"/>
+                    <a:satMod val="350000"/>
+                  </a:schemeClr>
+                </a:gs>
+                <a:gs pos="80000">
+                  <a:schemeClr val="accent1">
+                    <a:tint val="100000"/>
+                    <a:shade val="100000"/>
+                    <a:satMod val="130000"/>
+                  </a:schemeClr>
+                </a:gs>
+              </a:gsLst>
+            </a:gradFill>
+          </p:spPr>
+          <p:style>
+            <a:lnRef idx="1">
+              <a:schemeClr val="accent1"/>
+            </a:lnRef>
+            <a:fillRef idx="3">
+              <a:schemeClr val="accent1"/>
+            </a:fillRef>
+            <a:effectRef idx="2">
+              <a:schemeClr val="accent1"/>
+            </a:effectRef>
+            <a:fontRef idx="minor">
+              <a:schemeClr val="lt1"/>
+            </a:fontRef>
+          </p:style>
+          <p:txBody>
+            <a:bodyPr vert="vert270" rtlCol="0" anchor="ctr"/>
+            <a:lstStyle/>
+            <a:p>
+              <a:r>
+                <a:rPr lang="en-GB" b="1" dirty="0" smtClean="0"/>
+                <a:t> </a:t>
+              </a:r>
+              <a:r>
+                <a:rPr lang="en-GB" b="1" dirty="0" err="1" smtClean="0"/>
+                <a:t>Gingerbreak</a:t>
+              </a:r>
+              <a:endParaRPr lang="en-GB" b="1" dirty="0"/>
+            </a:p>
+          </p:txBody>
+        </p:sp>
+      </p:grpSp>
+      <p:grpSp>
+        <p:nvGrpSpPr>
+          <p:cNvPr id="32" name="Group 31"/>
+          <p:cNvGrpSpPr/>
+          <p:nvPr/>
+        </p:nvGrpSpPr>
+        <p:grpSpPr>
+          <a:xfrm>
+            <a:off x="2531688" y="899258"/>
+            <a:ext cx="287379" cy="5645856"/>
+            <a:chOff x="6498486" y="899258"/>
+            <a:chExt cx="287379" cy="5645856"/>
+          </a:xfrm>
+        </p:grpSpPr>
+        <p:cxnSp>
+          <p:nvCxnSpPr>
+            <p:cNvPr id="33" name="Straight Connector 32"/>
+            <p:cNvCxnSpPr>
+              <a:stCxn id="34" idx="2"/>
+            </p:cNvCxnSpPr>
+            <p:nvPr/>
+          </p:nvCxnSpPr>
+          <p:spPr>
+            <a:xfrm>
+              <a:off x="6642176" y="2985165"/>
+              <a:ext cx="0" cy="3559949"/>
+            </a:xfrm>
+            <a:prstGeom prst="line">
+              <a:avLst/>
+            </a:prstGeom>
+            <a:ln>
+              <a:prstDash val="dash"/>
+            </a:ln>
+          </p:spPr>
+          <p:style>
+            <a:lnRef idx="2">
+              <a:schemeClr val="accent1"/>
+            </a:lnRef>
+            <a:fillRef idx="0">
+              <a:schemeClr val="accent1"/>
+            </a:fillRef>
+            <a:effectRef idx="1">
+              <a:schemeClr val="accent1"/>
+            </a:effectRef>
+            <a:fontRef idx="minor">
+              <a:schemeClr val="tx1"/>
+            </a:fontRef>
+          </p:style>
+        </p:cxnSp>
+        <p:sp>
+          <p:nvSpPr>
+            <p:cNvPr id="34" name="Rectangle 33"/>
+            <p:cNvSpPr/>
+            <p:nvPr/>
+          </p:nvSpPr>
+          <p:spPr>
+            <a:xfrm>
+              <a:off x="6498486" y="899258"/>
+              <a:ext cx="287379" cy="2085907"/>
+            </a:xfrm>
+            <a:prstGeom prst="rect">
+              <a:avLst/>
+            </a:prstGeom>
+            <a:gradFill>
+              <a:gsLst>
+                <a:gs pos="58000">
+                  <a:schemeClr val="tx2"/>
+                </a:gs>
+                <a:gs pos="100000">
+                  <a:schemeClr val="accent1">
+                    <a:tint val="50000"/>
+                    <a:shade val="100000"/>
+                    <a:satMod val="350000"/>
+                  </a:schemeClr>
+                </a:gs>
+                <a:gs pos="80000">
+                  <a:schemeClr val="accent1">
+                    <a:tint val="100000"/>
+                    <a:shade val="100000"/>
+                    <a:satMod val="130000"/>
+                  </a:schemeClr>
+                </a:gs>
+              </a:gsLst>
+            </a:gradFill>
+          </p:spPr>
+          <p:style>
+            <a:lnRef idx="1">
+              <a:schemeClr val="accent1"/>
+            </a:lnRef>
+            <a:fillRef idx="3">
+              <a:schemeClr val="accent1"/>
+            </a:fillRef>
+            <a:effectRef idx="2">
+              <a:schemeClr val="accent1"/>
+            </a:effectRef>
+            <a:fontRef idx="minor">
+              <a:schemeClr val="lt1"/>
+            </a:fontRef>
+          </p:style>
+          <p:txBody>
+            <a:bodyPr vert="vert270" rtlCol="0" anchor="ctr"/>
+            <a:lstStyle/>
+            <a:p>
+              <a:r>
+                <a:rPr lang="en-GB" b="1" dirty="0" smtClean="0"/>
+                <a:t> </a:t>
+              </a:r>
+              <a:r>
+                <a:rPr lang="en-GB" b="1" dirty="0" err="1" smtClean="0"/>
+                <a:t>ZergRush</a:t>
+              </a:r>
+              <a:endParaRPr lang="en-GB" b="1" dirty="0"/>
+            </a:p>
+          </p:txBody>
+        </p:sp>
+      </p:grpSp>
+      <p:grpSp>
+        <p:nvGrpSpPr>
+          <p:cNvPr id="35" name="Group 34"/>
+          <p:cNvGrpSpPr/>
+          <p:nvPr/>
+        </p:nvGrpSpPr>
+        <p:grpSpPr>
+          <a:xfrm>
+            <a:off x="2192139" y="899258"/>
+            <a:ext cx="287379" cy="5645856"/>
+            <a:chOff x="6498486" y="899258"/>
+            <a:chExt cx="287379" cy="5645856"/>
+          </a:xfrm>
+        </p:grpSpPr>
+        <p:cxnSp>
+          <p:nvCxnSpPr>
+            <p:cNvPr id="36" name="Straight Connector 35"/>
+            <p:cNvCxnSpPr>
+              <a:stCxn id="37" idx="2"/>
+            </p:cNvCxnSpPr>
+            <p:nvPr/>
+          </p:nvCxnSpPr>
+          <p:spPr>
+            <a:xfrm>
+              <a:off x="6642176" y="2985165"/>
+              <a:ext cx="0" cy="3559949"/>
+            </a:xfrm>
+            <a:prstGeom prst="line">
+              <a:avLst/>
+            </a:prstGeom>
+            <a:ln>
+              <a:prstDash val="dash"/>
+            </a:ln>
+          </p:spPr>
+          <p:style>
+            <a:lnRef idx="2">
+              <a:schemeClr val="accent1"/>
+            </a:lnRef>
+            <a:fillRef idx="0">
+              <a:schemeClr val="accent1"/>
+            </a:fillRef>
+            <a:effectRef idx="1">
+              <a:schemeClr val="accent1"/>
+            </a:effectRef>
+            <a:fontRef idx="minor">
+              <a:schemeClr val="tx1"/>
+            </a:fontRef>
+          </p:style>
+        </p:cxnSp>
+        <p:sp>
+          <p:nvSpPr>
+            <p:cNvPr id="37" name="Rectangle 36"/>
+            <p:cNvSpPr/>
+            <p:nvPr/>
+          </p:nvSpPr>
+          <p:spPr>
+            <a:xfrm>
+              <a:off x="6498486" y="899258"/>
+              <a:ext cx="287379" cy="2085907"/>
+            </a:xfrm>
+            <a:prstGeom prst="rect">
+              <a:avLst/>
+            </a:prstGeom>
+            <a:gradFill>
+              <a:gsLst>
+                <a:gs pos="58000">
+                  <a:schemeClr val="tx2"/>
+                </a:gs>
+                <a:gs pos="100000">
+                  <a:schemeClr val="accent1">
+                    <a:tint val="50000"/>
+                    <a:shade val="100000"/>
+                    <a:satMod val="350000"/>
+                  </a:schemeClr>
+                </a:gs>
+                <a:gs pos="80000">
+                  <a:schemeClr val="accent1">
+                    <a:tint val="100000"/>
+                    <a:shade val="100000"/>
+                    <a:satMod val="130000"/>
+                  </a:schemeClr>
+                </a:gs>
+              </a:gsLst>
+            </a:gradFill>
+          </p:spPr>
+          <p:style>
+            <a:lnRef idx="1">
+              <a:schemeClr val="accent1"/>
+            </a:lnRef>
+            <a:fillRef idx="3">
+              <a:schemeClr val="accent1"/>
+            </a:fillRef>
+            <a:effectRef idx="2">
+              <a:schemeClr val="accent1"/>
+            </a:effectRef>
+            <a:fontRef idx="minor">
+              <a:schemeClr val="lt1"/>
+            </a:fontRef>
+          </p:style>
+          <p:txBody>
+            <a:bodyPr vert="vert270" rtlCol="0" anchor="ctr"/>
+            <a:lstStyle/>
+            <a:p>
+              <a:r>
+                <a:rPr lang="en-GB" b="1" smtClean="0"/>
+                <a:t> Levitator</a:t>
+              </a:r>
+              <a:endParaRPr lang="en-GB" b="1" dirty="0"/>
+            </a:p>
+          </p:txBody>
+        </p:sp>
+      </p:grpSp>
+      <p:grpSp>
+        <p:nvGrpSpPr>
+          <p:cNvPr id="38" name="Group 37"/>
+          <p:cNvGrpSpPr/>
+          <p:nvPr/>
+        </p:nvGrpSpPr>
+        <p:grpSpPr>
+          <a:xfrm>
+            <a:off x="1516719" y="899258"/>
+            <a:ext cx="287379" cy="5645856"/>
+            <a:chOff x="6498486" y="899258"/>
+            <a:chExt cx="287379" cy="5645856"/>
+          </a:xfrm>
+        </p:grpSpPr>
+        <p:cxnSp>
+          <p:nvCxnSpPr>
+            <p:cNvPr id="39" name="Straight Connector 38"/>
+            <p:cNvCxnSpPr>
+              <a:stCxn id="40" idx="2"/>
+            </p:cNvCxnSpPr>
+            <p:nvPr/>
+          </p:nvCxnSpPr>
+          <p:spPr>
+            <a:xfrm>
+              <a:off x="6642176" y="2985165"/>
+              <a:ext cx="0" cy="3559949"/>
+            </a:xfrm>
+            <a:prstGeom prst="line">
+              <a:avLst/>
+            </a:prstGeom>
+            <a:ln>
+              <a:prstDash val="dash"/>
+            </a:ln>
+          </p:spPr>
+          <p:style>
+            <a:lnRef idx="2">
+              <a:schemeClr val="accent1"/>
+            </a:lnRef>
+            <a:fillRef idx="0">
+              <a:schemeClr val="accent1"/>
+            </a:fillRef>
+            <a:effectRef idx="1">
+              <a:schemeClr val="accent1"/>
+            </a:effectRef>
+            <a:fontRef idx="minor">
+              <a:schemeClr val="tx1"/>
+            </a:fontRef>
+          </p:style>
+        </p:cxnSp>
+        <p:sp>
+          <p:nvSpPr>
+            <p:cNvPr id="40" name="Rectangle 39"/>
+            <p:cNvSpPr/>
+            <p:nvPr/>
+          </p:nvSpPr>
+          <p:spPr>
+            <a:xfrm>
+              <a:off x="6498486" y="899258"/>
+              <a:ext cx="287379" cy="2085907"/>
+            </a:xfrm>
+            <a:prstGeom prst="rect">
+              <a:avLst/>
+            </a:prstGeom>
+            <a:gradFill>
+              <a:gsLst>
+                <a:gs pos="58000">
+                  <a:schemeClr val="tx2"/>
+                </a:gs>
+                <a:gs pos="100000">
+                  <a:schemeClr val="accent1">
+                    <a:tint val="50000"/>
+                    <a:shade val="100000"/>
+                    <a:satMod val="350000"/>
+                  </a:schemeClr>
+                </a:gs>
+                <a:gs pos="80000">
+                  <a:schemeClr val="accent1">
+                    <a:tint val="100000"/>
+                    <a:shade val="100000"/>
+                    <a:satMod val="130000"/>
+                  </a:schemeClr>
+                </a:gs>
+              </a:gsLst>
+            </a:gradFill>
+          </p:spPr>
+          <p:style>
+            <a:lnRef idx="1">
+              <a:schemeClr val="accent1"/>
+            </a:lnRef>
+            <a:fillRef idx="3">
+              <a:schemeClr val="accent1"/>
+            </a:fillRef>
+            <a:effectRef idx="2">
+              <a:schemeClr val="accent1"/>
+            </a:effectRef>
+            <a:fontRef idx="minor">
+              <a:schemeClr val="lt1"/>
+            </a:fontRef>
+          </p:style>
+          <p:txBody>
+            <a:bodyPr vert="vert270" rtlCol="0" anchor="ctr"/>
+            <a:lstStyle/>
+            <a:p>
+              <a:r>
+                <a:rPr lang="en-GB" b="1" smtClean="0"/>
+                <a:t> Zimperlich</a:t>
+              </a:r>
+              <a:endParaRPr lang="en-GB" b="1" dirty="0"/>
+            </a:p>
+          </p:txBody>
+        </p:sp>
+      </p:grpSp>
+      <p:grpSp>
+        <p:nvGrpSpPr>
+          <p:cNvPr id="41" name="Group 40"/>
+          <p:cNvGrpSpPr/>
+          <p:nvPr/>
+        </p:nvGrpSpPr>
+        <p:grpSpPr>
+          <a:xfrm>
+            <a:off x="606652" y="899258"/>
+            <a:ext cx="287379" cy="5645856"/>
+            <a:chOff x="6498486" y="899258"/>
+            <a:chExt cx="287379" cy="5645856"/>
+          </a:xfrm>
+        </p:grpSpPr>
+        <p:cxnSp>
+          <p:nvCxnSpPr>
+            <p:cNvPr id="42" name="Straight Connector 41"/>
+            <p:cNvCxnSpPr>
+              <a:stCxn id="43" idx="2"/>
+            </p:cNvCxnSpPr>
+            <p:nvPr/>
+          </p:nvCxnSpPr>
+          <p:spPr>
+            <a:xfrm>
+              <a:off x="6642176" y="2985165"/>
+              <a:ext cx="0" cy="3559949"/>
+            </a:xfrm>
+            <a:prstGeom prst="line">
+              <a:avLst/>
+            </a:prstGeom>
+            <a:ln>
+              <a:prstDash val="dash"/>
+            </a:ln>
+          </p:spPr>
+          <p:style>
+            <a:lnRef idx="2">
+              <a:schemeClr val="accent1"/>
+            </a:lnRef>
+            <a:fillRef idx="0">
+              <a:schemeClr val="accent1"/>
+            </a:fillRef>
+            <a:effectRef idx="1">
+              <a:schemeClr val="accent1"/>
+            </a:effectRef>
+            <a:fontRef idx="minor">
+              <a:schemeClr val="tx1"/>
+            </a:fontRef>
+          </p:style>
+        </p:cxnSp>
+        <p:sp>
+          <p:nvSpPr>
+            <p:cNvPr id="43" name="Rectangle 42"/>
+            <p:cNvSpPr/>
+            <p:nvPr/>
+          </p:nvSpPr>
+          <p:spPr>
+            <a:xfrm>
+              <a:off x="6498486" y="899258"/>
+              <a:ext cx="287379" cy="2085907"/>
+            </a:xfrm>
+            <a:prstGeom prst="rect">
+              <a:avLst/>
+            </a:prstGeom>
+            <a:gradFill>
+              <a:gsLst>
+                <a:gs pos="58000">
+                  <a:schemeClr val="tx2"/>
+                </a:gs>
+                <a:gs pos="100000">
+                  <a:schemeClr val="accent1">
+                    <a:tint val="50000"/>
+                    <a:shade val="100000"/>
+                    <a:satMod val="350000"/>
+                  </a:schemeClr>
+                </a:gs>
+                <a:gs pos="80000">
+                  <a:schemeClr val="accent1">
+                    <a:tint val="100000"/>
+                    <a:shade val="100000"/>
+                    <a:satMod val="130000"/>
+                  </a:schemeClr>
+                </a:gs>
+              </a:gsLst>
+            </a:gradFill>
+          </p:spPr>
+          <p:style>
+            <a:lnRef idx="1">
+              <a:schemeClr val="accent1"/>
+            </a:lnRef>
+            <a:fillRef idx="3">
+              <a:schemeClr val="accent1"/>
+            </a:fillRef>
+            <a:effectRef idx="2">
+              <a:schemeClr val="accent1"/>
+            </a:effectRef>
+            <a:fontRef idx="minor">
+              <a:schemeClr val="lt1"/>
+            </a:fontRef>
+          </p:style>
+          <p:txBody>
+            <a:bodyPr vert="vert270" rtlCol="0" anchor="ctr"/>
+            <a:lstStyle/>
+            <a:p>
+              <a:r>
+                <a:rPr lang="en-GB" sz="1600" b="1" dirty="0" smtClean="0"/>
+                <a:t> </a:t>
+              </a:r>
+              <a:r>
+                <a:rPr lang="en-GB" sz="1600" b="1" dirty="0" err="1" smtClean="0"/>
+                <a:t>RageAgainstTheCage</a:t>
+              </a:r>
+              <a:endParaRPr lang="en-GB" sz="1600" b="1" dirty="0"/>
+            </a:p>
+          </p:txBody>
+        </p:sp>
+      </p:grpSp>
     </p:spTree>
     <p:extLst>
       <p:ext uri="{BB962C8B-B14F-4D97-AF65-F5344CB8AC3E}">

--- a/workshop/ppt/timeline.pptx
+++ b/workshop/ppt/timeline.pptx
@@ -3103,7 +3103,7 @@
         </p:nvCxnSpPr>
         <p:spPr>
           <a:xfrm>
-            <a:off x="7511143" y="426357"/>
+            <a:off x="8454527" y="344718"/>
             <a:ext cx="0" cy="5860143"/>
           </a:xfrm>
           <a:prstGeom prst="line">
@@ -3142,7 +3142,7 @@
         </p:nvCxnSpPr>
         <p:spPr>
           <a:xfrm>
-            <a:off x="5937703" y="426357"/>
+            <a:off x="6881087" y="344718"/>
             <a:ext cx="0" cy="5860143"/>
           </a:xfrm>
           <a:prstGeom prst="line">
@@ -3181,7 +3181,7 @@
         </p:nvCxnSpPr>
         <p:spPr>
           <a:xfrm>
-            <a:off x="4364264" y="426357"/>
+            <a:off x="5307648" y="344718"/>
             <a:ext cx="0" cy="5860143"/>
           </a:xfrm>
           <a:prstGeom prst="line">
@@ -3220,7 +3220,7 @@
         </p:nvCxnSpPr>
         <p:spPr>
           <a:xfrm>
-            <a:off x="2790825" y="426357"/>
+            <a:off x="3734209" y="344718"/>
             <a:ext cx="0" cy="5860143"/>
           </a:xfrm>
           <a:prstGeom prst="line">
@@ -3259,7 +3259,7 @@
         </p:nvCxnSpPr>
         <p:spPr>
           <a:xfrm>
-            <a:off x="1217386" y="426357"/>
+            <a:off x="2160770" y="344718"/>
             <a:ext cx="0" cy="5860143"/>
           </a:xfrm>
           <a:prstGeom prst="line">
@@ -3298,8 +3298,8 @@
         </p:nvCxnSpPr>
         <p:spPr>
           <a:xfrm>
-            <a:off x="381000" y="3156857"/>
-            <a:ext cx="8509000" cy="0"/>
+            <a:off x="1324384" y="3075218"/>
+            <a:ext cx="7601857" cy="0"/>
           </a:xfrm>
           <a:prstGeom prst="straightConnector1">
             <a:avLst/>
@@ -3325,55 +3325,13 @@
       </p:cxnSp>
       <p:sp>
         <p:nvSpPr>
-          <p:cNvPr id="13" name="TextBox 12"/>
-          <p:cNvSpPr txBox="1"/>
-          <p:nvPr/>
-        </p:nvSpPr>
-        <p:spPr>
-          <a:xfrm>
-            <a:off x="7964715" y="3190546"/>
-            <a:ext cx="652643" cy="369332"/>
-          </a:xfrm>
-          <a:prstGeom prst="rect">
-            <a:avLst/>
-          </a:prstGeom>
-          <a:noFill/>
-        </p:spPr>
-        <p:txBody>
-          <a:bodyPr wrap="none" rtlCol="0">
-            <a:spAutoFit/>
-          </a:bodyPr>
-          <a:lstStyle/>
-          <a:p>
-            <a:r>
-              <a:rPr lang="en-GB" dirty="0" smtClean="0">
-                <a:solidFill>
-                  <a:schemeClr val="bg1">
-                    <a:lumMod val="50000"/>
-                  </a:schemeClr>
-                </a:solidFill>
-              </a:rPr>
-              <a:t>2015</a:t>
-            </a:r>
-            <a:endParaRPr lang="en-GB" dirty="0">
-              <a:solidFill>
-                <a:schemeClr val="bg1">
-                  <a:lumMod val="50000"/>
-                </a:schemeClr>
-              </a:solidFill>
-            </a:endParaRPr>
-          </a:p>
-        </p:txBody>
-      </p:sp>
-      <p:sp>
-        <p:nvSpPr>
           <p:cNvPr id="14" name="TextBox 13"/>
           <p:cNvSpPr txBox="1"/>
           <p:nvPr/>
         </p:nvSpPr>
         <p:spPr>
           <a:xfrm>
-            <a:off x="6388100" y="3190546"/>
+            <a:off x="7331484" y="3108907"/>
             <a:ext cx="652643" cy="369332"/>
           </a:xfrm>
           <a:prstGeom prst="rect">
@@ -3415,7 +3373,7 @@
         </p:nvSpPr>
         <p:spPr>
           <a:xfrm>
-            <a:off x="1658257" y="3194424"/>
+            <a:off x="2601641" y="3112785"/>
             <a:ext cx="652643" cy="369332"/>
           </a:xfrm>
           <a:prstGeom prst="rect">
@@ -3457,7 +3415,7 @@
         </p:nvSpPr>
         <p:spPr>
           <a:xfrm>
-            <a:off x="3234871" y="3194424"/>
+            <a:off x="4178255" y="3112785"/>
             <a:ext cx="652643" cy="369332"/>
           </a:xfrm>
           <a:prstGeom prst="rect">
@@ -3499,7 +3457,7 @@
         </p:nvSpPr>
         <p:spPr>
           <a:xfrm>
-            <a:off x="4811485" y="3194424"/>
+            <a:off x="5754869" y="3112785"/>
             <a:ext cx="652643" cy="369332"/>
           </a:xfrm>
           <a:prstGeom prst="rect">
@@ -3541,7 +3499,7 @@
         </p:nvGrpSpPr>
         <p:grpSpPr>
           <a:xfrm>
-            <a:off x="6285276" y="899258"/>
+            <a:off x="7228660" y="817619"/>
             <a:ext cx="287379" cy="5645856"/>
             <a:chOff x="6498486" y="899258"/>
             <a:chExt cx="287379" cy="5645856"/>
@@ -3653,9 +3611,9 @@
         </p:nvGrpSpPr>
         <p:grpSpPr>
           <a:xfrm>
-            <a:off x="6794527" y="899258"/>
+            <a:off x="7756053" y="817619"/>
             <a:ext cx="287379" cy="5645856"/>
-            <a:chOff x="6498486" y="899258"/>
+            <a:chOff x="6516628" y="899258"/>
             <a:chExt cx="287379" cy="5645856"/>
           </a:xfrm>
         </p:grpSpPr>
@@ -3669,7 +3627,7 @@
           </p:nvCxnSpPr>
           <p:spPr>
             <a:xfrm>
-              <a:off x="6642176" y="2985165"/>
+              <a:off x="6660318" y="2985165"/>
               <a:ext cx="0" cy="3559949"/>
             </a:xfrm>
             <a:prstGeom prst="line">
@@ -3702,7 +3660,7 @@
           </p:nvSpPr>
           <p:spPr>
             <a:xfrm>
-              <a:off x="6498486" y="899258"/>
+              <a:off x="6516628" y="899258"/>
               <a:ext cx="287379" cy="2085907"/>
             </a:xfrm>
             <a:prstGeom prst="rect">
@@ -3769,7 +3727,7 @@
         </p:nvGrpSpPr>
         <p:grpSpPr>
           <a:xfrm>
-            <a:off x="1184936" y="899258"/>
+            <a:off x="2128320" y="817619"/>
             <a:ext cx="287379" cy="5645856"/>
             <a:chOff x="6498486" y="899258"/>
             <a:chExt cx="287379" cy="5645856"/>
@@ -3889,7 +3847,7 @@
         </p:nvGrpSpPr>
         <p:grpSpPr>
           <a:xfrm>
-            <a:off x="1848748" y="899258"/>
+            <a:off x="2792132" y="817619"/>
             <a:ext cx="287379" cy="5645856"/>
             <a:chOff x="6498486" y="899258"/>
             <a:chExt cx="287379" cy="5645856"/>
@@ -4005,7 +3963,7 @@
         </p:nvGrpSpPr>
         <p:grpSpPr>
           <a:xfrm>
-            <a:off x="2531688" y="899258"/>
+            <a:off x="3475072" y="817619"/>
             <a:ext cx="287379" cy="5645856"/>
             <a:chOff x="6498486" y="899258"/>
             <a:chExt cx="287379" cy="5645856"/>
@@ -4121,7 +4079,7 @@
         </p:nvGrpSpPr>
         <p:grpSpPr>
           <a:xfrm>
-            <a:off x="2192139" y="899258"/>
+            <a:off x="3135523" y="817619"/>
             <a:ext cx="287379" cy="5645856"/>
             <a:chOff x="6498486" y="899258"/>
             <a:chExt cx="287379" cy="5645856"/>
@@ -4233,7 +4191,7 @@
         </p:nvGrpSpPr>
         <p:grpSpPr>
           <a:xfrm>
-            <a:off x="1516719" y="899258"/>
+            <a:off x="2460103" y="817619"/>
             <a:ext cx="287379" cy="5645856"/>
             <a:chOff x="6498486" y="899258"/>
             <a:chExt cx="287379" cy="5645856"/>
@@ -4345,7 +4303,7 @@
         </p:nvGrpSpPr>
         <p:grpSpPr>
           <a:xfrm>
-            <a:off x="606652" y="899258"/>
+            <a:off x="1550036" y="817619"/>
             <a:ext cx="287379" cy="5645856"/>
             <a:chOff x="6498486" y="899258"/>
             <a:chExt cx="287379" cy="5645856"/>
@@ -4449,6 +4407,118 @@
                 <a:t>RageAgainstTheCage</a:t>
               </a:r>
               <a:endParaRPr lang="en-GB" sz="1600" b="1" dirty="0"/>
+            </a:p>
+          </p:txBody>
+        </p:sp>
+      </p:grpSp>
+      <p:grpSp>
+        <p:nvGrpSpPr>
+          <p:cNvPr id="44" name="Group 43"/>
+          <p:cNvGrpSpPr/>
+          <p:nvPr/>
+        </p:nvGrpSpPr>
+        <p:grpSpPr>
+          <a:xfrm>
+            <a:off x="4986551" y="817619"/>
+            <a:ext cx="287379" cy="5645856"/>
+            <a:chOff x="6498486" y="899258"/>
+            <a:chExt cx="287379" cy="5645856"/>
+          </a:xfrm>
+        </p:grpSpPr>
+        <p:cxnSp>
+          <p:nvCxnSpPr>
+            <p:cNvPr id="45" name="Straight Connector 44"/>
+            <p:cNvCxnSpPr>
+              <a:stCxn id="46" idx="2"/>
+            </p:cNvCxnSpPr>
+            <p:nvPr/>
+          </p:nvCxnSpPr>
+          <p:spPr>
+            <a:xfrm>
+              <a:off x="6642176" y="2985165"/>
+              <a:ext cx="0" cy="3559949"/>
+            </a:xfrm>
+            <a:prstGeom prst="line">
+              <a:avLst/>
+            </a:prstGeom>
+            <a:ln>
+              <a:prstDash val="dash"/>
+            </a:ln>
+          </p:spPr>
+          <p:style>
+            <a:lnRef idx="2">
+              <a:schemeClr val="accent1"/>
+            </a:lnRef>
+            <a:fillRef idx="0">
+              <a:schemeClr val="accent1"/>
+            </a:fillRef>
+            <a:effectRef idx="1">
+              <a:schemeClr val="accent1"/>
+            </a:effectRef>
+            <a:fontRef idx="minor">
+              <a:schemeClr val="tx1"/>
+            </a:fontRef>
+          </p:style>
+        </p:cxnSp>
+        <p:sp>
+          <p:nvSpPr>
+            <p:cNvPr id="46" name="Rectangle 45"/>
+            <p:cNvSpPr/>
+            <p:nvPr/>
+          </p:nvSpPr>
+          <p:spPr>
+            <a:xfrm>
+              <a:off x="6498486" y="899258"/>
+              <a:ext cx="287379" cy="2085907"/>
+            </a:xfrm>
+            <a:prstGeom prst="rect">
+              <a:avLst/>
+            </a:prstGeom>
+            <a:gradFill>
+              <a:gsLst>
+                <a:gs pos="58000">
+                  <a:schemeClr val="tx2"/>
+                </a:gs>
+                <a:gs pos="100000">
+                  <a:schemeClr val="accent1">
+                    <a:tint val="50000"/>
+                    <a:shade val="100000"/>
+                    <a:satMod val="350000"/>
+                  </a:schemeClr>
+                </a:gs>
+                <a:gs pos="80000">
+                  <a:schemeClr val="accent1">
+                    <a:tint val="100000"/>
+                    <a:shade val="100000"/>
+                    <a:satMod val="130000"/>
+                  </a:schemeClr>
+                </a:gs>
+              </a:gsLst>
+            </a:gradFill>
+          </p:spPr>
+          <p:style>
+            <a:lnRef idx="1">
+              <a:schemeClr val="accent1"/>
+            </a:lnRef>
+            <a:fillRef idx="3">
+              <a:schemeClr val="accent1"/>
+            </a:fillRef>
+            <a:effectRef idx="2">
+              <a:schemeClr val="accent1"/>
+            </a:effectRef>
+            <a:fontRef idx="minor">
+              <a:schemeClr val="lt1"/>
+            </a:fontRef>
+          </p:style>
+          <p:txBody>
+            <a:bodyPr vert="vert270" rtlCol="0" anchor="ctr"/>
+            <a:lstStyle/>
+            <a:p>
+              <a:r>
+                <a:rPr lang="en-GB" b="1" smtClean="0"/>
+                <a:t> ExynosAbuse</a:t>
+              </a:r>
+              <a:endParaRPr lang="en-GB" b="1" dirty="0"/>
             </a:p>
           </p:txBody>
         </p:sp>

--- a/workshop/ppt/timeline.pptx
+++ b/workshop/ppt/timeline.pptx
@@ -3095,6 +3095,36 @@
           <a:chExt cx="0" cy="0"/>
         </a:xfrm>
       </p:grpSpPr>
+      <p:pic>
+        <p:nvPicPr>
+          <p:cNvPr id="50" name="Picture 49" descr="Android_historical_version_distribution_-_vector.svg.pdf"/>
+          <p:cNvPicPr>
+            <a:picLocks noChangeAspect="1"/>
+          </p:cNvPicPr>
+          <p:nvPr/>
+        </p:nvPicPr>
+        <p:blipFill>
+          <a:blip r:embed="rId2">
+            <a:extLst>
+              <a:ext uri="{28A0092B-C50C-407E-A947-70E740481C1C}">
+                <a14:useLocalDpi xmlns:a14="http://schemas.microsoft.com/office/drawing/2010/main" val="0"/>
+              </a:ext>
+            </a:extLst>
+          </a:blip>
+          <a:stretch>
+            <a:fillRect/>
+          </a:stretch>
+        </p:blipFill>
+        <p:spPr>
+          <a:xfrm>
+            <a:off x="276413" y="3496290"/>
+            <a:ext cx="8867588" cy="7425777"/>
+          </a:xfrm>
+          <a:prstGeom prst="rect">
+            <a:avLst/>
+          </a:prstGeom>
+        </p:spPr>
+      </p:pic>
       <p:cxnSp>
         <p:nvCxnSpPr>
           <p:cNvPr id="7" name="Straight Connector 6"/>
@@ -3103,7 +3133,7 @@
         </p:nvCxnSpPr>
         <p:spPr>
           <a:xfrm>
-            <a:off x="8454527" y="344718"/>
+            <a:off x="8454527" y="516551"/>
             <a:ext cx="0" cy="5860143"/>
           </a:xfrm>
           <a:prstGeom prst="line">
@@ -3142,7 +3172,7 @@
         </p:nvCxnSpPr>
         <p:spPr>
           <a:xfrm>
-            <a:off x="6881087" y="344718"/>
+            <a:off x="6881087" y="516551"/>
             <a:ext cx="0" cy="5860143"/>
           </a:xfrm>
           <a:prstGeom prst="line">
@@ -3181,7 +3211,7 @@
         </p:nvCxnSpPr>
         <p:spPr>
           <a:xfrm>
-            <a:off x="5307648" y="344718"/>
+            <a:off x="5307648" y="516551"/>
             <a:ext cx="0" cy="5860143"/>
           </a:xfrm>
           <a:prstGeom prst="line">
@@ -3220,7 +3250,7 @@
         </p:nvCxnSpPr>
         <p:spPr>
           <a:xfrm>
-            <a:off x="3734209" y="344718"/>
+            <a:off x="3734209" y="516551"/>
             <a:ext cx="0" cy="5860143"/>
           </a:xfrm>
           <a:prstGeom prst="line">
@@ -3259,7 +3289,7 @@
         </p:nvCxnSpPr>
         <p:spPr>
           <a:xfrm>
-            <a:off x="2160770" y="344718"/>
+            <a:off x="2160770" y="516551"/>
             <a:ext cx="0" cy="5860143"/>
           </a:xfrm>
           <a:prstGeom prst="line">
@@ -3595,10 +3625,10 @@
             <a:lstStyle/>
             <a:p>
               <a:r>
-                <a:rPr lang="en-GB" b="1" dirty="0" smtClean="0"/>
+                <a:rPr lang="en-GB" dirty="0" smtClean="0"/>
                 <a:t> Fake ID</a:t>
               </a:r>
-              <a:endParaRPr lang="en-GB" b="1" dirty="0"/>
+              <a:endParaRPr lang="en-GB" dirty="0"/>
             </a:p>
           </p:txBody>
         </p:sp>
@@ -3707,14 +3737,14 @@
             <a:lstStyle/>
             <a:p>
               <a:r>
-                <a:rPr lang="en-GB" b="1" dirty="0" smtClean="0"/>
+                <a:rPr lang="en-GB" dirty="0" smtClean="0"/>
                 <a:t> </a:t>
               </a:r>
               <a:r>
-                <a:rPr lang="en-GB" b="1" dirty="0" err="1" smtClean="0"/>
+                <a:rPr lang="en-GB" dirty="0" err="1" smtClean="0"/>
                 <a:t>TowelRoot</a:t>
               </a:r>
-              <a:endParaRPr lang="en-GB" b="1" dirty="0"/>
+              <a:endParaRPr lang="en-GB" dirty="0"/>
             </a:p>
           </p:txBody>
         </p:sp>
@@ -3823,18 +3853,18 @@
             <a:lstStyle/>
             <a:p>
               <a:r>
-                <a:rPr lang="en-GB" sz="1600" b="1" dirty="0" err="1" smtClean="0"/>
+                <a:rPr lang="en-GB" sz="1600" dirty="0" err="1" smtClean="0"/>
                 <a:t>Psneuter</a:t>
               </a:r>
               <a:r>
-                <a:rPr lang="en-GB" sz="1600" b="1" dirty="0" smtClean="0"/>
+                <a:rPr lang="en-GB" sz="1600" dirty="0" smtClean="0"/>
                 <a:t>/</a:t>
               </a:r>
               <a:r>
-                <a:rPr lang="en-GB" sz="1600" b="1" dirty="0" err="1" smtClean="0"/>
+                <a:rPr lang="en-GB" sz="1600" dirty="0" err="1" smtClean="0"/>
                 <a:t>KillingInTheN</a:t>
               </a:r>
-              <a:endParaRPr lang="en-GB" sz="1600" b="1" dirty="0"/>
+              <a:endParaRPr lang="en-GB" sz="1600" dirty="0"/>
             </a:p>
           </p:txBody>
         </p:sp>
@@ -3943,14 +3973,14 @@
             <a:lstStyle/>
             <a:p>
               <a:r>
-                <a:rPr lang="en-GB" b="1" dirty="0" smtClean="0"/>
+                <a:rPr lang="en-GB" dirty="0" smtClean="0"/>
                 <a:t> </a:t>
               </a:r>
               <a:r>
-                <a:rPr lang="en-GB" b="1" dirty="0" err="1" smtClean="0"/>
+                <a:rPr lang="en-GB" dirty="0" err="1" smtClean="0"/>
                 <a:t>Gingerbreak</a:t>
               </a:r>
-              <a:endParaRPr lang="en-GB" b="1" dirty="0"/>
+              <a:endParaRPr lang="en-GB" dirty="0"/>
             </a:p>
           </p:txBody>
         </p:sp>
@@ -4059,14 +4089,14 @@
             <a:lstStyle/>
             <a:p>
               <a:r>
-                <a:rPr lang="en-GB" b="1" dirty="0" smtClean="0"/>
+                <a:rPr lang="en-GB" dirty="0" smtClean="0"/>
                 <a:t> </a:t>
               </a:r>
               <a:r>
-                <a:rPr lang="en-GB" b="1" dirty="0" err="1" smtClean="0"/>
+                <a:rPr lang="en-GB" dirty="0" err="1" smtClean="0"/>
                 <a:t>ZergRush</a:t>
               </a:r>
-              <a:endParaRPr lang="en-GB" b="1" dirty="0"/>
+              <a:endParaRPr lang="en-GB" dirty="0"/>
             </a:p>
           </p:txBody>
         </p:sp>
@@ -4175,10 +4205,10 @@
             <a:lstStyle/>
             <a:p>
               <a:r>
-                <a:rPr lang="en-GB" b="1" smtClean="0"/>
+                <a:rPr lang="en-GB" smtClean="0"/>
                 <a:t> Levitator</a:t>
               </a:r>
-              <a:endParaRPr lang="en-GB" b="1" dirty="0"/>
+              <a:endParaRPr lang="en-GB" dirty="0"/>
             </a:p>
           </p:txBody>
         </p:sp>
@@ -4287,10 +4317,10 @@
             <a:lstStyle/>
             <a:p>
               <a:r>
-                <a:rPr lang="en-GB" b="1" smtClean="0"/>
+                <a:rPr lang="en-GB" smtClean="0"/>
                 <a:t> Zimperlich</a:t>
               </a:r>
-              <a:endParaRPr lang="en-GB" b="1" dirty="0"/>
+              <a:endParaRPr lang="en-GB" dirty="0"/>
             </a:p>
           </p:txBody>
         </p:sp>
@@ -4399,14 +4429,14 @@
             <a:lstStyle/>
             <a:p>
               <a:r>
-                <a:rPr lang="en-GB" sz="1600" b="1" dirty="0" smtClean="0"/>
+                <a:rPr lang="en-GB" sz="1600" dirty="0" smtClean="0"/>
                 <a:t> </a:t>
               </a:r>
               <a:r>
-                <a:rPr lang="en-GB" sz="1600" b="1" dirty="0" err="1" smtClean="0"/>
+                <a:rPr lang="en-GB" sz="1600" dirty="0" err="1" smtClean="0"/>
                 <a:t>RageAgainstTheCage</a:t>
               </a:r>
-              <a:endParaRPr lang="en-GB" sz="1600" b="1" dirty="0"/>
+              <a:endParaRPr lang="en-GB" sz="1600" dirty="0"/>
             </a:p>
           </p:txBody>
         </p:sp>
@@ -4515,14 +4545,73 @@
             <a:lstStyle/>
             <a:p>
               <a:r>
-                <a:rPr lang="en-GB" b="1" smtClean="0"/>
+                <a:rPr lang="en-GB" smtClean="0"/>
                 <a:t> ExynosAbuse</a:t>
               </a:r>
-              <a:endParaRPr lang="en-GB" b="1" dirty="0"/>
+              <a:endParaRPr lang="en-GB" dirty="0"/>
             </a:p>
           </p:txBody>
         </p:sp>
       </p:grpSp>
+      <p:sp>
+        <p:nvSpPr>
+          <p:cNvPr id="48" name="TextBox 47"/>
+          <p:cNvSpPr txBox="1"/>
+          <p:nvPr/>
+        </p:nvSpPr>
+        <p:spPr>
+          <a:xfrm>
+            <a:off x="59993" y="18143"/>
+            <a:ext cx="5289028" cy="461665"/>
+          </a:xfrm>
+          <a:prstGeom prst="rect">
+            <a:avLst/>
+          </a:prstGeom>
+          <a:noFill/>
+        </p:spPr>
+        <p:txBody>
+          <a:bodyPr wrap="none" rtlCol="0">
+            <a:spAutoFit/>
+          </a:bodyPr>
+          <a:lstStyle/>
+          <a:p>
+            <a:r>
+              <a:rPr lang="en-GB" sz="800" smtClean="0"/>
+              <a:t>TODO: was wir nicht beschreiben, aber trotzdem für nennenswert halten, grau färben.</a:t>
+            </a:r>
+          </a:p>
+          <a:p>
+            <a:r>
+              <a:rPr lang="en-GB" sz="800" smtClean="0"/>
+              <a:t>Quelle Bild: </a:t>
+            </a:r>
+            <a:r>
+              <a:rPr lang="en-US" sz="800" smtClean="0">
+                <a:hlinkClick r:id="rId3"/>
+              </a:rPr>
+              <a:t>https://upload.wikimedia.org/wikipedia/commons/e/ee/Android_historical_version_distribution_-_vector.svg</a:t>
+            </a:r>
+            <a:endParaRPr lang="en-US" sz="800" smtClean="0"/>
+          </a:p>
+          <a:p>
+            <a:r>
+              <a:rPr lang="en-US" sz="800" smtClean="0"/>
+              <a:t>Sonstige Quellen: </a:t>
+            </a:r>
+            <a:r>
+              <a:rPr lang="en-US" sz="800" smtClean="0">
+                <a:hlinkClick r:id="rId4"/>
+              </a:rPr>
+              <a:t>http://www.androidvulnerabilities.org</a:t>
+            </a:r>
+            <a:r>
+              <a:rPr lang="en-US" sz="800" smtClean="0"/>
+              <a:t>, BA Maier</a:t>
+            </a:r>
+            <a:endParaRPr lang="en-GB" sz="800"/>
+          </a:p>
+        </p:txBody>
+      </p:sp>
     </p:spTree>
     <p:extLst>
       <p:ext uri="{BB962C8B-B14F-4D97-AF65-F5344CB8AC3E}">

--- a/workshop/ppt/timeline.pptx
+++ b/workshop/ppt/timeline.pptx
@@ -3117,7 +3117,7 @@
         </p:blipFill>
         <p:spPr>
           <a:xfrm>
-            <a:off x="276413" y="3496290"/>
+            <a:off x="156877" y="3496290"/>
             <a:ext cx="8867588" cy="7425777"/>
           </a:xfrm>
           <a:prstGeom prst="rect">
@@ -4561,7 +4561,7 @@
         </p:nvSpPr>
         <p:spPr>
           <a:xfrm>
-            <a:off x="59993" y="18143"/>
+            <a:off x="3854972" y="0"/>
             <a:ext cx="5289028" cy="461665"/>
           </a:xfrm>
           <a:prstGeom prst="rect">
@@ -4609,6 +4609,410 @@
               <a:t>, BA Maier</a:t>
             </a:r>
             <a:endParaRPr lang="en-GB" sz="800"/>
+          </a:p>
+        </p:txBody>
+      </p:sp>
+      <p:pic>
+        <p:nvPicPr>
+          <p:cNvPr id="54" name="Picture 53"/>
+          <p:cNvPicPr>
+            <a:picLocks noChangeAspect="1"/>
+          </p:cNvPicPr>
+          <p:nvPr/>
+        </p:nvPicPr>
+        <p:blipFill>
+          <a:blip r:embed="rId5"/>
+          <a:stretch>
+            <a:fillRect/>
+          </a:stretch>
+        </p:blipFill>
+        <p:spPr>
+          <a:xfrm>
+            <a:off x="169721" y="479808"/>
+            <a:ext cx="977124" cy="2920516"/>
+          </a:xfrm>
+          <a:prstGeom prst="rect">
+            <a:avLst/>
+          </a:prstGeom>
+        </p:spPr>
+      </p:pic>
+      <p:sp>
+        <p:nvSpPr>
+          <p:cNvPr id="55" name="TextBox 54"/>
+          <p:cNvSpPr txBox="1"/>
+          <p:nvPr/>
+        </p:nvSpPr>
+        <p:spPr>
+          <a:xfrm>
+            <a:off x="4178255" y="4617900"/>
+            <a:ext cx="476926" cy="369332"/>
+          </a:xfrm>
+          <a:prstGeom prst="rect">
+            <a:avLst/>
+          </a:prstGeom>
+          <a:noFill/>
+        </p:spPr>
+        <p:txBody>
+          <a:bodyPr wrap="none" rtlCol="0">
+            <a:spAutoFit/>
+          </a:bodyPr>
+          <a:lstStyle/>
+          <a:p>
+            <a:r>
+              <a:rPr lang="en-GB" smtClean="0">
+                <a:solidFill>
+                  <a:schemeClr val="bg1"/>
+                </a:solidFill>
+              </a:rPr>
+              <a:t>2.3</a:t>
+            </a:r>
+            <a:endParaRPr lang="en-GB" dirty="0">
+              <a:solidFill>
+                <a:schemeClr val="bg1"/>
+              </a:solidFill>
+            </a:endParaRPr>
+          </a:p>
+        </p:txBody>
+      </p:sp>
+      <p:sp>
+        <p:nvSpPr>
+          <p:cNvPr id="56" name="TextBox 55"/>
+          <p:cNvSpPr txBox="1"/>
+          <p:nvPr/>
+        </p:nvSpPr>
+        <p:spPr>
+          <a:xfrm>
+            <a:off x="5574080" y="4874889"/>
+            <a:ext cx="476926" cy="369332"/>
+          </a:xfrm>
+          <a:prstGeom prst="rect">
+            <a:avLst/>
+          </a:prstGeom>
+          <a:noFill/>
+        </p:spPr>
+        <p:txBody>
+          <a:bodyPr wrap="none" rtlCol="0">
+            <a:spAutoFit/>
+          </a:bodyPr>
+          <a:lstStyle/>
+          <a:p>
+            <a:r>
+              <a:rPr lang="en-GB" smtClean="0">
+                <a:solidFill>
+                  <a:schemeClr val="bg1"/>
+                </a:solidFill>
+              </a:rPr>
+              <a:t>4.0</a:t>
+            </a:r>
+            <a:endParaRPr lang="en-GB" dirty="0">
+              <a:solidFill>
+                <a:schemeClr val="bg1"/>
+              </a:solidFill>
+            </a:endParaRPr>
+          </a:p>
+        </p:txBody>
+      </p:sp>
+      <p:sp>
+        <p:nvSpPr>
+          <p:cNvPr id="57" name="TextBox 56"/>
+          <p:cNvSpPr txBox="1"/>
+          <p:nvPr/>
+        </p:nvSpPr>
+        <p:spPr>
+          <a:xfrm>
+            <a:off x="6243444" y="5166391"/>
+            <a:ext cx="476926" cy="369332"/>
+          </a:xfrm>
+          <a:prstGeom prst="rect">
+            <a:avLst/>
+          </a:prstGeom>
+          <a:noFill/>
+        </p:spPr>
+        <p:txBody>
+          <a:bodyPr wrap="none" rtlCol="0">
+            <a:spAutoFit/>
+          </a:bodyPr>
+          <a:lstStyle/>
+          <a:p>
+            <a:r>
+              <a:rPr lang="en-GB" smtClean="0">
+                <a:solidFill>
+                  <a:schemeClr val="bg1"/>
+                </a:solidFill>
+              </a:rPr>
+              <a:t>4.1</a:t>
+            </a:r>
+            <a:endParaRPr lang="en-GB" dirty="0">
+              <a:solidFill>
+                <a:schemeClr val="bg1"/>
+              </a:solidFill>
+            </a:endParaRPr>
+          </a:p>
+        </p:txBody>
+      </p:sp>
+      <p:sp>
+        <p:nvSpPr>
+          <p:cNvPr id="58" name="TextBox 57"/>
+          <p:cNvSpPr txBox="1"/>
+          <p:nvPr/>
+        </p:nvSpPr>
+        <p:spPr>
+          <a:xfrm>
+            <a:off x="8111092" y="4505557"/>
+            <a:ext cx="476926" cy="369332"/>
+          </a:xfrm>
+          <a:prstGeom prst="rect">
+            <a:avLst/>
+          </a:prstGeom>
+          <a:noFill/>
+        </p:spPr>
+        <p:txBody>
+          <a:bodyPr wrap="none" rtlCol="0">
+            <a:spAutoFit/>
+          </a:bodyPr>
+          <a:lstStyle/>
+          <a:p>
+            <a:r>
+              <a:rPr lang="en-GB" smtClean="0">
+                <a:solidFill>
+                  <a:schemeClr val="bg1"/>
+                </a:solidFill>
+              </a:rPr>
+              <a:t>4.2</a:t>
+            </a:r>
+            <a:endParaRPr lang="en-GB" dirty="0">
+              <a:solidFill>
+                <a:schemeClr val="bg1"/>
+              </a:solidFill>
+            </a:endParaRPr>
+          </a:p>
+        </p:txBody>
+      </p:sp>
+      <p:sp>
+        <p:nvSpPr>
+          <p:cNvPr id="59" name="TextBox 58"/>
+          <p:cNvSpPr txBox="1"/>
+          <p:nvPr/>
+        </p:nvSpPr>
+        <p:spPr>
+          <a:xfrm>
+            <a:off x="8111092" y="5465365"/>
+            <a:ext cx="479618" cy="369332"/>
+          </a:xfrm>
+          <a:prstGeom prst="rect">
+            <a:avLst/>
+          </a:prstGeom>
+          <a:noFill/>
+        </p:spPr>
+        <p:txBody>
+          <a:bodyPr wrap="none" rtlCol="0">
+            <a:spAutoFit/>
+          </a:bodyPr>
+          <a:lstStyle/>
+          <a:p>
+            <a:r>
+              <a:rPr lang="en-GB" smtClean="0">
+                <a:solidFill>
+                  <a:schemeClr val="bg1"/>
+                </a:solidFill>
+              </a:rPr>
+              <a:t>4.4</a:t>
+            </a:r>
+            <a:endParaRPr lang="en-GB" dirty="0">
+              <a:solidFill>
+                <a:schemeClr val="bg1"/>
+              </a:solidFill>
+            </a:endParaRPr>
+          </a:p>
+        </p:txBody>
+      </p:sp>
+      <p:sp>
+        <p:nvSpPr>
+          <p:cNvPr id="60" name="TextBox 59"/>
+          <p:cNvSpPr txBox="1"/>
+          <p:nvPr/>
+        </p:nvSpPr>
+        <p:spPr>
+          <a:xfrm>
+            <a:off x="8298245" y="6094143"/>
+            <a:ext cx="476926" cy="369332"/>
+          </a:xfrm>
+          <a:prstGeom prst="rect">
+            <a:avLst/>
+          </a:prstGeom>
+          <a:noFill/>
+        </p:spPr>
+        <p:txBody>
+          <a:bodyPr wrap="none" rtlCol="0">
+            <a:spAutoFit/>
+          </a:bodyPr>
+          <a:lstStyle/>
+          <a:p>
+            <a:r>
+              <a:rPr lang="en-GB" smtClean="0">
+                <a:solidFill>
+                  <a:schemeClr val="bg1"/>
+                </a:solidFill>
+              </a:rPr>
+              <a:t>5.0</a:t>
+            </a:r>
+            <a:endParaRPr lang="en-GB" dirty="0">
+              <a:solidFill>
+                <a:schemeClr val="bg1"/>
+              </a:solidFill>
+            </a:endParaRPr>
+          </a:p>
+        </p:txBody>
+      </p:sp>
+      <p:sp>
+        <p:nvSpPr>
+          <p:cNvPr id="61" name="TextBox 60"/>
+          <p:cNvSpPr txBox="1"/>
+          <p:nvPr/>
+        </p:nvSpPr>
+        <p:spPr>
+          <a:xfrm>
+            <a:off x="1731081" y="5492127"/>
+            <a:ext cx="476926" cy="369332"/>
+          </a:xfrm>
+          <a:prstGeom prst="rect">
+            <a:avLst/>
+          </a:prstGeom>
+          <a:noFill/>
+        </p:spPr>
+        <p:txBody>
+          <a:bodyPr wrap="none" rtlCol="0">
+            <a:spAutoFit/>
+          </a:bodyPr>
+          <a:lstStyle/>
+          <a:p>
+            <a:r>
+              <a:rPr lang="en-GB" smtClean="0">
+                <a:solidFill>
+                  <a:schemeClr val="bg1"/>
+                </a:solidFill>
+              </a:rPr>
+              <a:t>2.2</a:t>
+            </a:r>
+            <a:endParaRPr lang="en-GB" dirty="0">
+              <a:solidFill>
+                <a:schemeClr val="bg1"/>
+              </a:solidFill>
+            </a:endParaRPr>
+          </a:p>
+        </p:txBody>
+      </p:sp>
+      <p:sp>
+        <p:nvSpPr>
+          <p:cNvPr id="62" name="TextBox 61"/>
+          <p:cNvSpPr txBox="1"/>
+          <p:nvPr/>
+        </p:nvSpPr>
+        <p:spPr>
+          <a:xfrm>
+            <a:off x="1119479" y="5492127"/>
+            <a:ext cx="476926" cy="369332"/>
+          </a:xfrm>
+          <a:prstGeom prst="rect">
+            <a:avLst/>
+          </a:prstGeom>
+          <a:noFill/>
+        </p:spPr>
+        <p:txBody>
+          <a:bodyPr wrap="none" rtlCol="0">
+            <a:spAutoFit/>
+          </a:bodyPr>
+          <a:lstStyle/>
+          <a:p>
+            <a:r>
+              <a:rPr lang="en-GB" smtClean="0">
+                <a:solidFill>
+                  <a:schemeClr val="bg1"/>
+                </a:solidFill>
+              </a:rPr>
+              <a:t>2.1</a:t>
+            </a:r>
+            <a:endParaRPr lang="en-GB" dirty="0">
+              <a:solidFill>
+                <a:schemeClr val="bg1"/>
+              </a:solidFill>
+            </a:endParaRPr>
+          </a:p>
+        </p:txBody>
+      </p:sp>
+      <p:sp>
+        <p:nvSpPr>
+          <p:cNvPr id="63" name="TextBox 62"/>
+          <p:cNvSpPr txBox="1"/>
+          <p:nvPr/>
+        </p:nvSpPr>
+        <p:spPr>
+          <a:xfrm>
+            <a:off x="662912" y="4912244"/>
+            <a:ext cx="476926" cy="369332"/>
+          </a:xfrm>
+          <a:prstGeom prst="rect">
+            <a:avLst/>
+          </a:prstGeom>
+          <a:noFill/>
+        </p:spPr>
+        <p:txBody>
+          <a:bodyPr wrap="none" rtlCol="0">
+            <a:spAutoFit/>
+          </a:bodyPr>
+          <a:lstStyle/>
+          <a:p>
+            <a:r>
+              <a:rPr lang="en-GB" smtClean="0">
+                <a:solidFill>
+                  <a:schemeClr val="bg1"/>
+                </a:solidFill>
+              </a:rPr>
+              <a:t>1.6</a:t>
+            </a:r>
+            <a:endParaRPr lang="en-GB" dirty="0">
+              <a:solidFill>
+                <a:schemeClr val="bg1"/>
+              </a:solidFill>
+            </a:endParaRPr>
+          </a:p>
+        </p:txBody>
+      </p:sp>
+      <p:sp>
+        <p:nvSpPr>
+          <p:cNvPr id="64" name="TextBox 63"/>
+          <p:cNvSpPr txBox="1"/>
+          <p:nvPr/>
+        </p:nvSpPr>
+        <p:spPr>
+          <a:xfrm>
+            <a:off x="662912" y="3768349"/>
+            <a:ext cx="476926" cy="369332"/>
+          </a:xfrm>
+          <a:prstGeom prst="rect">
+            <a:avLst/>
+          </a:prstGeom>
+          <a:noFill/>
+        </p:spPr>
+        <p:txBody>
+          <a:bodyPr wrap="none" rtlCol="0">
+            <a:spAutoFit/>
+          </a:bodyPr>
+          <a:lstStyle/>
+          <a:p>
+            <a:r>
+              <a:rPr lang="en-GB" smtClean="0">
+                <a:solidFill>
+                  <a:schemeClr val="bg1"/>
+                </a:solidFill>
+              </a:rPr>
+              <a:t>1.5</a:t>
+            </a:r>
+            <a:endParaRPr lang="en-GB" dirty="0">
+              <a:solidFill>
+                <a:schemeClr val="bg1"/>
+              </a:solidFill>
+            </a:endParaRPr>
           </a:p>
         </p:txBody>
       </p:sp>

--- a/workshop/ppt/timeline.pptx
+++ b/workshop/ppt/timeline.pptx
@@ -4562,7 +4562,7 @@
         <p:spPr>
           <a:xfrm>
             <a:off x="3854972" y="0"/>
-            <a:ext cx="5289028" cy="461665"/>
+            <a:ext cx="5289028" cy="584776"/>
           </a:xfrm>
           <a:prstGeom prst="rect">
             <a:avLst/>
@@ -4607,6 +4607,12 @@
             <a:r>
               <a:rPr lang="en-US" sz="800" smtClean="0"/>
               <a:t>, BA Maier</a:t>
+            </a:r>
+          </a:p>
+          <a:p>
+            <a:r>
+              <a:rPr lang="en-US" sz="800" smtClean="0"/>
+              <a:t>TODO: die roten Dinger wirklich nehmen? Oder kicken? Viele Exploits sind eher geräteabhängig als OS-abhängig.</a:t>
             </a:r>
             <a:endParaRPr lang="en-GB" sz="800"/>
           </a:p>
@@ -5016,6 +5022,270 @@
           </a:p>
         </p:txBody>
       </p:sp>
+      <p:pic>
+        <p:nvPicPr>
+          <p:cNvPr id="67" name="Picture 66"/>
+          <p:cNvPicPr>
+            <a:picLocks noChangeAspect="1"/>
+          </p:cNvPicPr>
+          <p:nvPr/>
+        </p:nvPicPr>
+        <p:blipFill>
+          <a:blip r:embed="rId6"/>
+          <a:stretch>
+            <a:fillRect/>
+          </a:stretch>
+        </p:blipFill>
+        <p:spPr>
+          <a:xfrm>
+            <a:off x="1565672" y="3945131"/>
+            <a:ext cx="254187" cy="253340"/>
+          </a:xfrm>
+          <a:prstGeom prst="rect">
+            <a:avLst/>
+          </a:prstGeom>
+        </p:spPr>
+      </p:pic>
+      <p:pic>
+        <p:nvPicPr>
+          <p:cNvPr id="68" name="Picture 67"/>
+          <p:cNvPicPr>
+            <a:picLocks noChangeAspect="1"/>
+          </p:cNvPicPr>
+          <p:nvPr/>
+        </p:nvPicPr>
+        <p:blipFill>
+          <a:blip r:embed="rId6"/>
+          <a:stretch>
+            <a:fillRect/>
+          </a:stretch>
+        </p:blipFill>
+        <p:spPr>
+          <a:xfrm>
+            <a:off x="1566632" y="4785574"/>
+            <a:ext cx="254187" cy="253340"/>
+          </a:xfrm>
+          <a:prstGeom prst="rect">
+            <a:avLst/>
+          </a:prstGeom>
+        </p:spPr>
+      </p:pic>
+      <p:pic>
+        <p:nvPicPr>
+          <p:cNvPr id="69" name="Picture 68"/>
+          <p:cNvPicPr>
+            <a:picLocks noChangeAspect="1"/>
+          </p:cNvPicPr>
+          <p:nvPr/>
+        </p:nvPicPr>
+        <p:blipFill>
+          <a:blip r:embed="rId6"/>
+          <a:stretch>
+            <a:fillRect/>
+          </a:stretch>
+        </p:blipFill>
+        <p:spPr>
+          <a:xfrm>
+            <a:off x="1590978" y="5861459"/>
+            <a:ext cx="254187" cy="253340"/>
+          </a:xfrm>
+          <a:prstGeom prst="rect">
+            <a:avLst/>
+          </a:prstGeom>
+        </p:spPr>
+      </p:pic>
+      <p:pic>
+        <p:nvPicPr>
+          <p:cNvPr id="70" name="Picture 69"/>
+          <p:cNvPicPr>
+            <a:picLocks noChangeAspect="1"/>
+          </p:cNvPicPr>
+          <p:nvPr/>
+        </p:nvPicPr>
+        <p:blipFill>
+          <a:blip r:embed="rId6"/>
+          <a:stretch>
+            <a:fillRect/>
+          </a:stretch>
+        </p:blipFill>
+        <p:spPr>
+          <a:xfrm>
+            <a:off x="2144916" y="4071801"/>
+            <a:ext cx="254187" cy="253340"/>
+          </a:xfrm>
+          <a:prstGeom prst="rect">
+            <a:avLst/>
+          </a:prstGeom>
+        </p:spPr>
+      </p:pic>
+      <p:pic>
+        <p:nvPicPr>
+          <p:cNvPr id="71" name="Picture 70"/>
+          <p:cNvPicPr>
+            <a:picLocks noChangeAspect="1"/>
+          </p:cNvPicPr>
+          <p:nvPr/>
+        </p:nvPicPr>
+        <p:blipFill>
+          <a:blip r:embed="rId6"/>
+          <a:stretch>
+            <a:fillRect/>
+          </a:stretch>
+        </p:blipFill>
+        <p:spPr>
+          <a:xfrm>
+            <a:off x="2144916" y="3541159"/>
+            <a:ext cx="254187" cy="253340"/>
+          </a:xfrm>
+          <a:prstGeom prst="rect">
+            <a:avLst/>
+          </a:prstGeom>
+        </p:spPr>
+      </p:pic>
+      <p:pic>
+        <p:nvPicPr>
+          <p:cNvPr id="72" name="Picture 71"/>
+          <p:cNvPicPr>
+            <a:picLocks noChangeAspect="1"/>
+          </p:cNvPicPr>
+          <p:nvPr/>
+        </p:nvPicPr>
+        <p:blipFill>
+          <a:blip r:embed="rId6"/>
+          <a:stretch>
+            <a:fillRect/>
+          </a:stretch>
+        </p:blipFill>
+        <p:spPr>
+          <a:xfrm>
+            <a:off x="2160770" y="5424399"/>
+            <a:ext cx="254187" cy="253340"/>
+          </a:xfrm>
+          <a:prstGeom prst="rect">
+            <a:avLst/>
+          </a:prstGeom>
+        </p:spPr>
+      </p:pic>
+      <p:pic>
+        <p:nvPicPr>
+          <p:cNvPr id="73" name="Picture 72"/>
+          <p:cNvPicPr>
+            <a:picLocks noChangeAspect="1"/>
+          </p:cNvPicPr>
+          <p:nvPr/>
+        </p:nvPicPr>
+        <p:blipFill>
+          <a:blip r:embed="rId6"/>
+          <a:stretch>
+            <a:fillRect/>
+          </a:stretch>
+        </p:blipFill>
+        <p:spPr>
+          <a:xfrm>
+            <a:off x="2808728" y="4801190"/>
+            <a:ext cx="254187" cy="253340"/>
+          </a:xfrm>
+          <a:prstGeom prst="rect">
+            <a:avLst/>
+          </a:prstGeom>
+        </p:spPr>
+      </p:pic>
+      <p:pic>
+        <p:nvPicPr>
+          <p:cNvPr id="74" name="Picture 73"/>
+          <p:cNvPicPr>
+            <a:picLocks noChangeAspect="1"/>
+          </p:cNvPicPr>
+          <p:nvPr/>
+        </p:nvPicPr>
+        <p:blipFill>
+          <a:blip r:embed="rId6"/>
+          <a:stretch>
+            <a:fillRect/>
+          </a:stretch>
+        </p:blipFill>
+        <p:spPr>
+          <a:xfrm>
+            <a:off x="2809688" y="6022654"/>
+            <a:ext cx="254187" cy="253340"/>
+          </a:xfrm>
+          <a:prstGeom prst="rect">
+            <a:avLst/>
+          </a:prstGeom>
+        </p:spPr>
+      </p:pic>
+      <p:pic>
+        <p:nvPicPr>
+          <p:cNvPr id="76" name="Picture 75"/>
+          <p:cNvPicPr>
+            <a:picLocks noChangeAspect="1"/>
+          </p:cNvPicPr>
+          <p:nvPr/>
+        </p:nvPicPr>
+        <p:blipFill>
+          <a:blip r:embed="rId6"/>
+          <a:stretch>
+            <a:fillRect/>
+          </a:stretch>
+        </p:blipFill>
+        <p:spPr>
+          <a:xfrm>
+            <a:off x="3143339" y="3541159"/>
+            <a:ext cx="254187" cy="253340"/>
+          </a:xfrm>
+          <a:prstGeom prst="rect">
+            <a:avLst/>
+          </a:prstGeom>
+        </p:spPr>
+      </p:pic>
+      <p:pic>
+        <p:nvPicPr>
+          <p:cNvPr id="77" name="Picture 76"/>
+          <p:cNvPicPr>
+            <a:picLocks noChangeAspect="1"/>
+          </p:cNvPicPr>
+          <p:nvPr/>
+        </p:nvPicPr>
+        <p:blipFill>
+          <a:blip r:embed="rId6"/>
+          <a:stretch>
+            <a:fillRect/>
+          </a:stretch>
+        </p:blipFill>
+        <p:spPr>
+          <a:xfrm>
+            <a:off x="3144299" y="4381602"/>
+            <a:ext cx="254187" cy="253340"/>
+          </a:xfrm>
+          <a:prstGeom prst="rect">
+            <a:avLst/>
+          </a:prstGeom>
+        </p:spPr>
+      </p:pic>
+      <p:pic>
+        <p:nvPicPr>
+          <p:cNvPr id="78" name="Picture 77"/>
+          <p:cNvPicPr>
+            <a:picLocks noChangeAspect="1"/>
+          </p:cNvPicPr>
+          <p:nvPr/>
+        </p:nvPicPr>
+        <p:blipFill>
+          <a:blip r:embed="rId6"/>
+          <a:stretch>
+            <a:fillRect/>
+          </a:stretch>
+        </p:blipFill>
+        <p:spPr>
+          <a:xfrm>
+            <a:off x="3168645" y="5733914"/>
+            <a:ext cx="254187" cy="253340"/>
+          </a:xfrm>
+          <a:prstGeom prst="rect">
+            <a:avLst/>
+          </a:prstGeom>
+        </p:spPr>
+      </p:pic>
     </p:spTree>
     <p:extLst>
       <p:ext uri="{BB962C8B-B14F-4D97-AF65-F5344CB8AC3E}">
